--- a/PPT/第二部分 软件测试技术/3.1  黑盒测试技术-概述.pptx
+++ b/PPT/第二部分 软件测试技术/3.1  黑盒测试技术-概述.pptx
@@ -886,8 +886,8 @@
         </p:nvSpPr>
         <p:spPr bwMode="auto">
           <a:xfrm>
-            <a:off x="685800" y="2393950"/>
-            <a:ext cx="7772400" cy="109538"/>
+            <a:off x="685800" y="2393949"/>
+            <a:ext cx="7772400" cy="109539"/>
           </a:xfrm>
           <a:custGeom>
             <a:avLst/>
@@ -1390,7 +1390,7 @@
         </p:nvSpPr>
         <p:spPr>
           <a:xfrm>
-            <a:off x="6573838" y="304800"/>
+            <a:off x="6573842" y="304800"/>
             <a:ext cx="2001837" cy="5715000"/>
           </a:xfrm>
         </p:spPr>
@@ -1599,7 +1599,7 @@
         </p:nvSpPr>
         <p:spPr>
           <a:xfrm>
-            <a:off x="574675" y="304800"/>
+            <a:off x="574675" y="304802"/>
             <a:ext cx="8001000" cy="1216025"/>
           </a:xfrm>
         </p:spPr>
@@ -2064,7 +2064,7 @@
         </p:nvSpPr>
         <p:spPr>
           <a:xfrm>
-            <a:off x="722313" y="4406900"/>
+            <a:off x="722313" y="4406901"/>
             <a:ext cx="7772400" cy="1362075"/>
           </a:xfrm>
         </p:spPr>
@@ -2602,7 +2602,7 @@
         </p:nvSpPr>
         <p:spPr>
           <a:xfrm>
-            <a:off x="457200" y="274638"/>
+            <a:off x="457200" y="274637"/>
             <a:ext cx="8229600" cy="1143000"/>
           </a:xfrm>
         </p:spPr>
@@ -2635,7 +2635,7 @@
         <p:spPr>
           <a:xfrm>
             <a:off x="457200" y="1535113"/>
-            <a:ext cx="4040188" cy="639762"/>
+            <a:ext cx="4040188" cy="639763"/>
           </a:xfrm>
         </p:spPr>
         <p:txBody>
@@ -2784,8 +2784,8 @@
         </p:nvSpPr>
         <p:spPr>
           <a:xfrm>
-            <a:off x="4645025" y="1535113"/>
-            <a:ext cx="4041775" cy="639762"/>
+            <a:off x="4645029" y="1535113"/>
+            <a:ext cx="4041775" cy="639763"/>
           </a:xfrm>
         </p:spPr>
         <p:txBody>
@@ -2849,7 +2849,7 @@
         </p:nvSpPr>
         <p:spPr>
           <a:xfrm>
-            <a:off x="4645025" y="2174875"/>
+            <a:off x="4645029" y="2174875"/>
             <a:ext cx="4041775" cy="3951288"/>
           </a:xfrm>
         </p:spPr>
@@ -3329,8 +3329,8 @@
         </p:nvSpPr>
         <p:spPr>
           <a:xfrm>
-            <a:off x="457200" y="273050"/>
-            <a:ext cx="3008313" cy="1162050"/>
+            <a:off x="457202" y="273049"/>
+            <a:ext cx="3008313" cy="1162051"/>
           </a:xfrm>
         </p:spPr>
         <p:txBody>
@@ -3361,7 +3361,7 @@
         </p:nvSpPr>
         <p:spPr>
           <a:xfrm>
-            <a:off x="3575050" y="273050"/>
+            <a:off x="3575050" y="273053"/>
             <a:ext cx="5111750" cy="5853113"/>
           </a:xfrm>
         </p:spPr>
@@ -3446,7 +3446,7 @@
         </p:nvSpPr>
         <p:spPr>
           <a:xfrm>
-            <a:off x="457200" y="1435100"/>
+            <a:off x="457202" y="1435103"/>
             <a:ext cx="3008313" cy="4691063"/>
           </a:xfrm>
         </p:spPr>
@@ -3635,8 +3635,8 @@
         </p:nvSpPr>
         <p:spPr>
           <a:xfrm>
-            <a:off x="1792288" y="4800600"/>
-            <a:ext cx="5486400" cy="566738"/>
+            <a:off x="1792288" y="4800601"/>
+            <a:ext cx="5486400" cy="566739"/>
           </a:xfrm>
         </p:spPr>
         <p:txBody>
@@ -3729,8 +3729,8 @@
         </p:nvSpPr>
         <p:spPr>
           <a:xfrm>
-            <a:off x="1792288" y="5367338"/>
-            <a:ext cx="5486400" cy="804862"/>
+            <a:off x="1792288" y="5367339"/>
+            <a:ext cx="5486400" cy="804863"/>
           </a:xfrm>
         </p:spPr>
         <p:txBody>
@@ -3931,7 +3931,7 @@
         </p:nvSpPr>
         <p:spPr bwMode="auto">
           <a:xfrm>
-            <a:off x="574675" y="304800"/>
+            <a:off x="574675" y="304802"/>
             <a:ext cx="8001000" cy="1216025"/>
           </a:xfrm>
           <a:prstGeom prst="rect">
@@ -4073,7 +4073,7 @@
         </p:nvSpPr>
         <p:spPr bwMode="auto">
           <a:xfrm>
-            <a:off x="609600" y="1566863"/>
+            <a:off x="609600" y="1566866"/>
             <a:ext cx="7958138" cy="109537"/>
           </a:xfrm>
           <a:custGeom>
@@ -4223,7 +4223,7 @@
         <p:spPr bwMode="auto">
           <a:xfrm>
             <a:off x="609600" y="6245225"/>
-            <a:ext cx="1981200" cy="476250"/>
+            <a:ext cx="1981200" cy="476251"/>
           </a:xfrm>
           <a:prstGeom prst="rect">
             <a:avLst/>
@@ -4271,7 +4271,7 @@
         <p:spPr bwMode="auto">
           <a:xfrm>
             <a:off x="3124200" y="6245225"/>
-            <a:ext cx="2895600" cy="476250"/>
+            <a:ext cx="2895600" cy="476251"/>
           </a:xfrm>
           <a:prstGeom prst="rect">
             <a:avLst/>
@@ -4319,7 +4319,7 @@
         <p:spPr bwMode="auto">
           <a:xfrm>
             <a:off x="6553200" y="6245225"/>
-            <a:ext cx="1981200" cy="476250"/>
+            <a:ext cx="1981200" cy="476251"/>
           </a:xfrm>
           <a:prstGeom prst="rect">
             <a:avLst/>
@@ -5067,6 +5067,13 @@
     <a:masterClrMapping/>
   </p:clrMapOvr>
   <p:transition/>
+  <p:timing>
+    <p:tnLst>
+      <p:par>
+        <p:cTn id="1" dur="indefinite" restart="never" nodeType="tmRoot"/>
+      </p:par>
+    </p:tnLst>
+  </p:timing>
 </p:sld>
 </file>
 
@@ -5297,38 +5304,38 @@
           <a:p>
             <a:pPr eaLnBrk="1" hangingPunct="1"/>
             <a:r>
-              <a:rPr lang="zh-CN" altLang="en-US" sz="3400" b="1" smtClean="0"/>
+              <a:rPr lang="zh-CN" altLang="en-US" sz="3400" b="1" dirty="0" smtClean="0"/>
               <a:t>内容提要</a:t>
             </a:r>
           </a:p>
           <a:p>
             <a:pPr lvl="1" eaLnBrk="1" hangingPunct="1"/>
             <a:r>
-              <a:rPr lang="zh-CN" altLang="en-US" b="1" smtClean="0"/>
+              <a:rPr lang="zh-CN" altLang="en-US" b="1" dirty="0" smtClean="0"/>
               <a:t>介绍黑盒测试基本原理，围绕最重要的</a:t>
             </a:r>
             <a:r>
-              <a:rPr lang="en-US" altLang="en-US" b="1" smtClean="0"/>
+              <a:rPr lang="en-US" altLang="en-US" b="1" dirty="0" smtClean="0"/>
               <a:t>5</a:t>
             </a:r>
             <a:r>
-              <a:rPr lang="zh-CN" altLang="en-US" b="1" smtClean="0"/>
+              <a:rPr lang="zh-CN" altLang="en-US" b="1" dirty="0" smtClean="0"/>
               <a:t>种测试方法展开讨论</a:t>
             </a:r>
-            <a:endParaRPr lang="en-US" altLang="zh-CN" b="1" smtClean="0"/>
+            <a:endParaRPr lang="en-US" altLang="zh-CN" b="1" dirty="0" smtClean="0"/>
           </a:p>
           <a:p>
             <a:pPr lvl="1" eaLnBrk="1" hangingPunct="1"/>
             <a:r>
-              <a:rPr lang="zh-CN" altLang="en-US" b="1" smtClean="0"/>
+              <a:rPr lang="zh-CN" altLang="en-US" b="1" dirty="0" smtClean="0"/>
               <a:t>边界值测试、等价类测试、基于决策表的测试和基于正交表的测试主要从数据优选的角度展开测试，适用于单元测试阶段，用于对函数或类的方法进行测试</a:t>
             </a:r>
-            <a:endParaRPr lang="en-US" altLang="zh-CN" b="1" smtClean="0"/>
+            <a:endParaRPr lang="en-US" altLang="zh-CN" b="1" dirty="0" smtClean="0"/>
           </a:p>
           <a:p>
             <a:pPr lvl="1" eaLnBrk="1" hangingPunct="1"/>
             <a:r>
-              <a:rPr lang="zh-CN" altLang="en-US" b="1" smtClean="0"/>
+              <a:rPr lang="zh-CN" altLang="en-US" b="1" dirty="0" smtClean="0"/>
               <a:t>基于场景的测试是从业务流程优选的角度展开测试，适用于系统测试阶段，用于对功能、界面等进行测试</a:t>
             </a:r>
           </a:p>
@@ -5340,6 +5347,13 @@
     <a:masterClrMapping/>
   </p:clrMapOvr>
   <p:transition/>
+  <p:timing>
+    <p:tnLst>
+      <p:par>
+        <p:cTn id="1" dur="indefinite" restart="never" nodeType="tmRoot"/>
+      </p:par>
+    </p:tnLst>
+  </p:timing>
 </p:sld>
 </file>
 
@@ -5636,6 +5650,13 @@
     <a:masterClrMapping/>
   </p:clrMapOvr>
   <p:transition/>
+  <p:timing>
+    <p:tnLst>
+      <p:par>
+        <p:cTn id="1" dur="indefinite" restart="never" nodeType="tmRoot"/>
+      </p:par>
+    </p:tnLst>
+  </p:timing>
 </p:sld>
 </file>
 
@@ -5888,7 +5909,7 @@
         </p:blipFill>
         <p:spPr bwMode="auto">
           <a:xfrm>
-            <a:off x="142875" y="2571750"/>
+            <a:off x="142875" y="2571751"/>
             <a:ext cx="8882063" cy="3429000"/>
           </a:xfrm>
           <a:prstGeom prst="rect">
@@ -5925,6 +5946,13 @@
     <a:masterClrMapping/>
   </p:clrMapOvr>
   <p:transition/>
+  <p:timing>
+    <p:tnLst>
+      <p:par>
+        <p:cTn id="1" dur="indefinite" restart="never" nodeType="tmRoot"/>
+      </p:par>
+    </p:tnLst>
+  </p:timing>
 </p:sld>
 </file>
 
@@ -6210,6 +6238,13 @@
     <a:masterClrMapping/>
   </p:clrMapOvr>
   <p:transition/>
+  <p:timing>
+    <p:tnLst>
+      <p:par>
+        <p:cTn id="1" dur="indefinite" restart="never" nodeType="tmRoot"/>
+      </p:par>
+    </p:tnLst>
+  </p:timing>
 </p:sld>
 </file>
 
@@ -6517,6 +6552,13 @@
     <a:masterClrMapping/>
   </p:clrMapOvr>
   <p:transition/>
+  <p:timing>
+    <p:tnLst>
+      <p:par>
+        <p:cTn id="1" dur="indefinite" restart="never" nodeType="tmRoot"/>
+      </p:par>
+    </p:tnLst>
+  </p:timing>
 </p:sld>
 </file>
 
@@ -6792,6 +6834,13 @@
     <a:masterClrMapping/>
   </p:clrMapOvr>
   <p:transition/>
+  <p:timing>
+    <p:tnLst>
+      <p:par>
+        <p:cTn id="1" dur="indefinite" restart="never" nodeType="tmRoot"/>
+      </p:par>
+    </p:tnLst>
+  </p:timing>
 </p:sld>
 </file>
 
@@ -6822,38 +6871,24 @@
             <p:ph type="title"/>
           </p:nvPr>
         </p:nvSpPr>
-        <p:spPr/>
+        <p:spPr>
+          <a:xfrm>
+            <a:off x="323528" y="2564905"/>
+            <a:ext cx="8001000" cy="1216025"/>
+          </a:xfrm>
+        </p:spPr>
         <p:txBody>
           <a:bodyPr/>
           <a:lstStyle/>
           <a:p>
             <a:pPr algn="ctr"/>
             <a:r>
-              <a:rPr lang="zh-CN" altLang="en-US" b="1" smtClean="0">
+              <a:rPr lang="zh-CN" altLang="en-US" b="1" dirty="0" smtClean="0">
                 <a:latin typeface="黑体" pitchFamily="2" charset="-122"/>
                 <a:ea typeface="黑体" pitchFamily="2" charset="-122"/>
               </a:rPr>
               <a:t>谢 谢</a:t>
             </a:r>
-          </a:p>
-        </p:txBody>
-      </p:sp>
-      <p:sp>
-        <p:nvSpPr>
-          <p:cNvPr id="147459" name="内容占位符 2"/>
-          <p:cNvSpPr>
-            <a:spLocks noGrp="1"/>
-          </p:cNvSpPr>
-          <p:nvPr>
-            <p:ph idx="1"/>
-          </p:nvPr>
-        </p:nvSpPr>
-        <p:spPr/>
-        <p:txBody>
-          <a:bodyPr/>
-          <a:lstStyle/>
-          <a:p>
-            <a:endParaRPr lang="zh-CN" altLang="en-US" smtClean="0"/>
           </a:p>
         </p:txBody>
       </p:sp>
@@ -7016,6 +7051,13 @@
     <a:masterClrMapping/>
   </p:clrMapOvr>
   <p:transition/>
+  <p:timing>
+    <p:tnLst>
+      <p:par>
+        <p:cTn id="1" dur="indefinite" restart="never" nodeType="tmRoot"/>
+      </p:par>
+    </p:tnLst>
+  </p:timing>
 </p:sld>
 </file>
 
